--- a/Coin Change.pptx
+++ b/Coin Change.pptx
@@ -35219,68 +35219,30 @@
           </a:p>
         </p:txBody>
       </p:sp>
-      <p:sp>
-        <p:nvSpPr>
-          <p:cNvPr name="TextBox 3" id="3"/>
-          <p:cNvSpPr txBox="true"/>
-          <p:nvPr/>
-        </p:nvSpPr>
-        <p:spPr>
-          <a:xfrm rot="0">
-            <a:off x="619492" y="2231464"/>
-            <a:ext cx="5579269" cy="580390"/>
-          </a:xfrm>
-          <a:prstGeom prst="rect">
-            <a:avLst/>
-          </a:prstGeom>
-        </p:spPr>
-        <p:txBody>
-          <a:bodyPr anchor="t" rtlCol="false" tIns="0" lIns="0" bIns="0" rIns="0">
-            <a:spAutoFit/>
-          </a:bodyPr>
-          <a:lstStyle/>
-          <a:p>
-            <a:pPr algn="ctr">
-              <a:lnSpc>
-                <a:spcPts val="4759"/>
-              </a:lnSpc>
-            </a:pPr>
-            <a:r>
-              <a:rPr lang="en-US" sz="3399">
-                <a:solidFill>
-                  <a:srgbClr val="000000"/>
-                </a:solidFill>
-                <a:latin typeface="Canva Sans"/>
-              </a:rPr>
-              <a:t>Add a little bit of body text</a:t>
-            </a:r>
-          </a:p>
-        </p:txBody>
-      </p:sp>
       <p:grpSp>
         <p:nvGrpSpPr>
-          <p:cNvPr name="Group 4" id="4"/>
+          <p:cNvPr name="Group 3" id="3"/>
           <p:cNvGrpSpPr/>
           <p:nvPr/>
         </p:nvGrpSpPr>
         <p:grpSpPr>
           <a:xfrm rot="0">
-            <a:off x="752337" y="2910116"/>
-            <a:ext cx="5313577" cy="1889272"/>
+            <a:off x="695810" y="2910116"/>
+            <a:ext cx="5426632" cy="1889272"/>
             <a:chOff x="0" y="0"/>
-            <a:chExt cx="7084769" cy="2519029"/>
+            <a:chExt cx="7235509" cy="2519029"/>
           </a:xfrm>
         </p:grpSpPr>
         <p:sp>
           <p:nvSpPr>
-            <p:cNvPr name="Freeform 5" id="5"/>
+            <p:cNvPr name="Freeform 4" id="4"/>
             <p:cNvSpPr/>
             <p:nvPr/>
           </p:nvSpPr>
           <p:spPr>
             <a:xfrm flipH="false" flipV="false" rot="0">
               <a:off x="0" y="0"/>
-              <a:ext cx="7084769" cy="2519029"/>
+              <a:ext cx="7235509" cy="2519029"/>
             </a:xfrm>
             <a:custGeom>
               <a:avLst/>
@@ -35289,15 +35251,15 @@
               <a:cxnLst/>
               <a:rect r="r" b="b" t="t" l="l"/>
               <a:pathLst>
-                <a:path h="2519029" w="7084769">
+                <a:path h="2519029" w="7235509">
                   <a:moveTo>
                     <a:pt x="0" y="0"/>
                   </a:moveTo>
                   <a:lnTo>
-                    <a:pt x="7084769" y="0"/>
+                    <a:pt x="7235509" y="0"/>
                   </a:lnTo>
                   <a:lnTo>
-                    <a:pt x="7084769" y="2519029"/>
+                    <a:pt x="7235509" y="2519029"/>
                   </a:lnTo>
                   <a:lnTo>
                     <a:pt x="0" y="2519029"/>
@@ -35326,28 +35288,28 @@
       </p:grpSp>
       <p:grpSp>
         <p:nvGrpSpPr>
-          <p:cNvPr name="Group 6" id="6"/>
+          <p:cNvPr name="Group 5" id="5"/>
           <p:cNvGrpSpPr/>
           <p:nvPr/>
         </p:nvGrpSpPr>
         <p:grpSpPr>
           <a:xfrm rot="0">
-            <a:off x="13129891" y="1659852"/>
-            <a:ext cx="4289235" cy="1790289"/>
+            <a:off x="13084261" y="1659852"/>
+            <a:ext cx="4380495" cy="1790289"/>
             <a:chOff x="0" y="0"/>
-            <a:chExt cx="5718979" cy="2387052"/>
+            <a:chExt cx="5840660" cy="2387052"/>
           </a:xfrm>
         </p:grpSpPr>
         <p:sp>
           <p:nvSpPr>
-            <p:cNvPr name="Freeform 7" id="7"/>
+            <p:cNvPr name="Freeform 6" id="6"/>
             <p:cNvSpPr/>
             <p:nvPr/>
           </p:nvSpPr>
           <p:spPr>
             <a:xfrm flipH="false" flipV="false" rot="0">
               <a:off x="0" y="0"/>
-              <a:ext cx="5718979" cy="2387052"/>
+              <a:ext cx="5840660" cy="2387052"/>
             </a:xfrm>
             <a:custGeom>
               <a:avLst/>
@@ -35356,15 +35318,15 @@
               <a:cxnLst/>
               <a:rect r="r" b="b" t="t" l="l"/>
               <a:pathLst>
-                <a:path h="2387052" w="5718979">
+                <a:path h="2387052" w="5840660">
                   <a:moveTo>
                     <a:pt x="0" y="0"/>
                   </a:moveTo>
                   <a:lnTo>
-                    <a:pt x="5718979" y="0"/>
+                    <a:pt x="5840660" y="0"/>
                   </a:lnTo>
                   <a:lnTo>
-                    <a:pt x="5718979" y="2387052"/>
+                    <a:pt x="5840660" y="2387052"/>
                   </a:lnTo>
                   <a:lnTo>
                     <a:pt x="0" y="2387052"/>
@@ -35393,7 +35355,7 @@
       </p:grpSp>
       <p:grpSp>
         <p:nvGrpSpPr>
-          <p:cNvPr name="Group 8" id="8"/>
+          <p:cNvPr name="Group 7" id="7"/>
           <p:cNvGrpSpPr/>
           <p:nvPr/>
         </p:nvGrpSpPr>
@@ -35407,7 +35369,7 @@
         </p:grpSpPr>
         <p:sp>
           <p:nvSpPr>
-            <p:cNvPr name="Freeform 9" id="9"/>
+            <p:cNvPr name="Freeform 8" id="8"/>
             <p:cNvSpPr/>
             <p:nvPr/>
           </p:nvSpPr>
@@ -35460,28 +35422,28 @@
       </p:grpSp>
       <p:grpSp>
         <p:nvGrpSpPr>
-          <p:cNvPr name="Group 10" id="10"/>
+          <p:cNvPr name="Group 9" id="9"/>
           <p:cNvGrpSpPr/>
           <p:nvPr/>
         </p:nvGrpSpPr>
         <p:grpSpPr>
           <a:xfrm rot="0">
-            <a:off x="6433490" y="2741988"/>
-            <a:ext cx="1750979" cy="2057400"/>
+            <a:off x="6394579" y="2741988"/>
+            <a:ext cx="1828800" cy="2057400"/>
             <a:chOff x="0" y="0"/>
-            <a:chExt cx="2334638" cy="2743200"/>
+            <a:chExt cx="2438400" cy="2743200"/>
           </a:xfrm>
         </p:grpSpPr>
         <p:sp>
           <p:nvSpPr>
-            <p:cNvPr name="Freeform 11" id="11"/>
+            <p:cNvPr name="Freeform 10" id="10"/>
             <p:cNvSpPr/>
             <p:nvPr/>
           </p:nvSpPr>
           <p:spPr>
             <a:xfrm flipH="false" flipV="false" rot="0">
               <a:off x="0" y="0"/>
-              <a:ext cx="2334638" cy="2743200"/>
+              <a:ext cx="2438400" cy="2743200"/>
             </a:xfrm>
             <a:custGeom>
               <a:avLst/>
@@ -35490,15 +35452,15 @@
               <a:cxnLst/>
               <a:rect r="r" b="b" t="t" l="l"/>
               <a:pathLst>
-                <a:path h="2743200" w="2334638">
+                <a:path h="2743200" w="2438400">
                   <a:moveTo>
                     <a:pt x="0" y="0"/>
                   </a:moveTo>
                   <a:lnTo>
-                    <a:pt x="2334638" y="0"/>
+                    <a:pt x="2438400" y="0"/>
                   </a:lnTo>
                   <a:lnTo>
-                    <a:pt x="2334638" y="2743200"/>
+                    <a:pt x="2438400" y="2743200"/>
                   </a:lnTo>
                   <a:lnTo>
                     <a:pt x="0" y="2743200"/>
@@ -35527,28 +35489,28 @@
       </p:grpSp>
       <p:grpSp>
         <p:nvGrpSpPr>
-          <p:cNvPr name="Group 12" id="12"/>
+          <p:cNvPr name="Group 11" id="11"/>
           <p:cNvGrpSpPr/>
           <p:nvPr/>
         </p:nvGrpSpPr>
         <p:grpSpPr>
           <a:xfrm rot="0">
-            <a:off x="5524427" y="4751625"/>
-            <a:ext cx="2660042" cy="1838558"/>
+            <a:off x="5465315" y="4751625"/>
+            <a:ext cx="2778266" cy="1838558"/>
             <a:chOff x="0" y="0"/>
-            <a:chExt cx="3546723" cy="2451411"/>
+            <a:chExt cx="3704355" cy="2451411"/>
           </a:xfrm>
         </p:grpSpPr>
         <p:sp>
           <p:nvSpPr>
-            <p:cNvPr name="Freeform 13" id="13"/>
+            <p:cNvPr name="Freeform 12" id="12"/>
             <p:cNvSpPr/>
             <p:nvPr/>
           </p:nvSpPr>
           <p:spPr>
             <a:xfrm flipH="false" flipV="false" rot="0">
               <a:off x="0" y="0"/>
-              <a:ext cx="3546723" cy="2451411"/>
+              <a:ext cx="3704355" cy="2451411"/>
             </a:xfrm>
             <a:custGeom>
               <a:avLst/>
@@ -35557,15 +35519,15 @@
               <a:cxnLst/>
               <a:rect r="r" b="b" t="t" l="l"/>
               <a:pathLst>
-                <a:path h="2451411" w="3546723">
+                <a:path h="2451411" w="3704355">
                   <a:moveTo>
                     <a:pt x="0" y="0"/>
                   </a:moveTo>
                   <a:lnTo>
-                    <a:pt x="3546723" y="0"/>
+                    <a:pt x="3704355" y="0"/>
                   </a:lnTo>
                   <a:lnTo>
-                    <a:pt x="3546723" y="2451411"/>
+                    <a:pt x="3704355" y="2451411"/>
                   </a:lnTo>
                   <a:lnTo>
                     <a:pt x="0" y="2451411"/>
@@ -35594,28 +35556,28 @@
       </p:grpSp>
       <p:grpSp>
         <p:nvGrpSpPr>
-          <p:cNvPr name="Group 14" id="14"/>
+          <p:cNvPr name="Group 13" id="13"/>
           <p:cNvGrpSpPr/>
           <p:nvPr/>
         </p:nvGrpSpPr>
         <p:grpSpPr>
           <a:xfrm rot="0">
-            <a:off x="13129891" y="4393777"/>
-            <a:ext cx="4297772" cy="1836321"/>
+            <a:off x="13034385" y="4393777"/>
+            <a:ext cx="4488784" cy="1836321"/>
             <a:chOff x="0" y="0"/>
-            <a:chExt cx="5730362" cy="2448428"/>
+            <a:chExt cx="5985045" cy="2448428"/>
           </a:xfrm>
         </p:grpSpPr>
         <p:sp>
           <p:nvSpPr>
-            <p:cNvPr name="Freeform 15" id="15"/>
+            <p:cNvPr name="Freeform 14" id="14"/>
             <p:cNvSpPr/>
             <p:nvPr/>
           </p:nvSpPr>
           <p:spPr>
             <a:xfrm flipH="false" flipV="false" rot="0">
               <a:off x="0" y="0"/>
-              <a:ext cx="5730362" cy="2448428"/>
+              <a:ext cx="5985045" cy="2448428"/>
             </a:xfrm>
             <a:custGeom>
               <a:avLst/>
@@ -35624,15 +35586,15 @@
               <a:cxnLst/>
               <a:rect r="r" b="b" t="t" l="l"/>
               <a:pathLst>
-                <a:path h="2448428" w="5730362">
+                <a:path h="2448428" w="5985045">
                   <a:moveTo>
                     <a:pt x="0" y="0"/>
                   </a:moveTo>
                   <a:lnTo>
-                    <a:pt x="5730362" y="0"/>
+                    <a:pt x="5985045" y="0"/>
                   </a:lnTo>
                   <a:lnTo>
-                    <a:pt x="5730362" y="2448428"/>
+                    <a:pt x="5985045" y="2448428"/>
                   </a:lnTo>
                   <a:lnTo>
                     <a:pt x="0" y="2448428"/>
@@ -35661,7 +35623,7 @@
       </p:grpSp>
       <p:grpSp>
         <p:nvGrpSpPr>
-          <p:cNvPr name="Group 16" id="16"/>
+          <p:cNvPr name="Group 15" id="15"/>
           <p:cNvGrpSpPr/>
           <p:nvPr/>
         </p:nvGrpSpPr>
@@ -35675,7 +35637,7 @@
         </p:grpSpPr>
         <p:sp>
           <p:nvSpPr>
-            <p:cNvPr name="Freeform 17" id="17"/>
+            <p:cNvPr name="Freeform 16" id="16"/>
             <p:cNvSpPr/>
             <p:nvPr/>
           </p:nvSpPr>
@@ -35728,7 +35690,7 @@
       </p:grpSp>
       <p:grpSp>
         <p:nvGrpSpPr>
-          <p:cNvPr name="Group 18" id="18"/>
+          <p:cNvPr name="Group 17" id="17"/>
           <p:cNvGrpSpPr/>
           <p:nvPr/>
         </p:nvGrpSpPr>
@@ -35742,7 +35704,7 @@
         </p:grpSpPr>
         <p:sp>
           <p:nvSpPr>
-            <p:cNvPr name="Freeform 19" id="19"/>
+            <p:cNvPr name="Freeform 18" id="18"/>
             <p:cNvSpPr/>
             <p:nvPr/>
           </p:nvSpPr>
@@ -35793,6 +35755,44 @@
           </p:spPr>
         </p:sp>
       </p:grpSp>
+      <p:sp>
+        <p:nvSpPr>
+          <p:cNvPr name="TextBox 19" id="19"/>
+          <p:cNvSpPr txBox="true"/>
+          <p:nvPr/>
+        </p:nvSpPr>
+        <p:spPr>
+          <a:xfrm rot="0">
+            <a:off x="752337" y="1592866"/>
+            <a:ext cx="6742867" cy="691922"/>
+          </a:xfrm>
+          <a:prstGeom prst="rect">
+            <a:avLst/>
+          </a:prstGeom>
+        </p:spPr>
+        <p:txBody>
+          <a:bodyPr anchor="t" rtlCol="false" tIns="0" lIns="0" bIns="0" rIns="0">
+            <a:spAutoFit/>
+          </a:bodyPr>
+          <a:lstStyle/>
+          <a:p>
+            <a:pPr algn="ctr">
+              <a:lnSpc>
+                <a:spcPts val="5616"/>
+              </a:lnSpc>
+            </a:pPr>
+            <a:r>
+              <a:rPr lang="en-US" sz="4012">
+                <a:solidFill>
+                  <a:srgbClr val="000000"/>
+                </a:solidFill>
+                <a:latin typeface="Canva Sans"/>
+              </a:rPr>
+              <a:t>Basic operation: i &gt;= D[j - 1] </a:t>
+            </a:r>
+          </a:p>
+        </p:txBody>
+      </p:sp>
     </p:spTree>
   </p:cSld>
   <p:clrMapOvr>
